--- a/Presentation_template.pptx
+++ b/Presentation_template.pptx
@@ -4653,7 +4653,7 @@
           <a:p>
             <a:r>
               <a:rPr lang="en-US" dirty="0"/>
-              <a:t>Technique</a:t>
+              <a:t>Technology</a:t>
             </a:r>
           </a:p>
           <a:p>
